--- a/youland-crawler.pptx
+++ b/youland-crawler.pptx
@@ -4059,7 +4059,7 @@
             </a:r>
             <a:r>
               <a:rPr lang="en-US" altLang="zh-CN" dirty="0"/>
-              <a:t> engine (default engine)</a:t>
+              <a:t> engine</a:t>
             </a:r>
           </a:p>
           <a:p>
@@ -4069,7 +4069,7 @@
             </a:r>
             <a:r>
               <a:rPr lang="en-US" altLang="zh-CN" dirty="0"/>
-              <a:t>: support redirect</a:t>
+              <a:t>: support redirect (default engine)</a:t>
             </a:r>
           </a:p>
           <a:p>
@@ -4338,12 +4338,12 @@
         <p:spPr>
           <a:xfrm>
             <a:off x="838200" y="683363"/>
-            <a:ext cx="10515600" cy="6142955"/>
+            <a:ext cx="10880324" cy="6142955"/>
           </a:xfrm>
         </p:spPr>
         <p:txBody>
           <a:bodyPr>
-            <a:normAutofit fontScale="70000" lnSpcReduction="20000"/>
+            <a:normAutofit fontScale="62500" lnSpcReduction="20000"/>
           </a:bodyPr>
           <a:lstStyle/>
           <a:p>
@@ -4418,6 +4418,9 @@
             <a:endParaRPr lang="en-US" altLang="zh-CN" dirty="0"/>
           </a:p>
           <a:p>
+            <a:endParaRPr lang="en-US" altLang="zh-CN" dirty="0"/>
+          </a:p>
+          <a:p>
             <a:r>
               <a:rPr lang="en-US" altLang="zh-CN" dirty="0"/>
               <a:t>Example</a:t>
@@ -4461,7 +4464,7 @@
             </a:r>
             <a:r>
               <a:rPr lang="en-US" altLang="zh-CN" sz="1200" dirty="0" err="1"/>
-              <a:t>OkHttpLoaderEngine</a:t>
+              <a:t>SimpleLoaderEngine</a:t>
             </a:r>
             <a:r>
               <a:rPr lang="en-US" altLang="zh-CN" sz="1200" dirty="0"/>
@@ -4493,10 +4496,10 @@
       </p:sp>
       <p:pic>
         <p:nvPicPr>
-          <p:cNvPr id="4" name="图片 3">
-            <a:extLst>
-              <a:ext uri="{FF2B5EF4-FFF2-40B4-BE49-F238E27FC236}">
-                <a16:creationId xmlns:a16="http://schemas.microsoft.com/office/drawing/2014/main" id="{05576061-D714-43E1-A95B-0CF91DDD8126}"/>
+          <p:cNvPr id="5" name="图片 4">
+            <a:extLst>
+              <a:ext uri="{FF2B5EF4-FFF2-40B4-BE49-F238E27FC236}">
+                <a16:creationId xmlns:a16="http://schemas.microsoft.com/office/drawing/2014/main" id="{A798C4D3-2F88-4490-B4DF-20A58FD694C0}"/>
               </a:ext>
             </a:extLst>
           </p:cNvPr>
@@ -4513,8 +4516,8 @@
         </p:blipFill>
         <p:spPr>
           <a:xfrm>
-            <a:off x="2606684" y="1739900"/>
-            <a:ext cx="6126700" cy="3733780"/>
+            <a:off x="2512149" y="1648981"/>
+            <a:ext cx="6090313" cy="4352194"/>
           </a:xfrm>
           <a:prstGeom prst="rect">
             <a:avLst/>
